--- a/lectures/template.pptx
+++ b/lectures/template.pptx
@@ -211,7 +211,7 @@
           <a:p>
             <a:fld id="{0F9C1CCF-B725-44A7-AA57-5E433BD85C9F}" type="datetimeFigureOut">
               <a:rPr lang="en-US" smtClean="0"/>
-              <a:t>1/10/23</a:t>
+              <a:t>1/18/23</a:t>
             </a:fld>
             <a:endParaRPr lang="en-US"/>
           </a:p>
@@ -1066,7 +1066,7 @@
           <a:p>
             <a:fld id="{241EB5C9-1307-BA42-ABA2-0BC069CD8E7F}" type="datetimeFigureOut">
               <a:rPr lang="en-US" smtClean="0"/>
-              <a:t>1/10/23</a:t>
+              <a:t>1/18/23</a:t>
             </a:fld>
             <a:endParaRPr lang="en-US"/>
           </a:p>
@@ -1244,7 +1244,7 @@
           <a:p>
             <a:fld id="{241EB5C9-1307-BA42-ABA2-0BC069CD8E7F}" type="datetimeFigureOut">
               <a:rPr lang="en-US" smtClean="0"/>
-              <a:t>1/10/23</a:t>
+              <a:t>1/18/23</a:t>
             </a:fld>
             <a:endParaRPr lang="en-US"/>
           </a:p>
@@ -1337,7 +1337,7 @@
           <a:bodyPr/>
           <a:lstStyle>
             <a:lvl1pPr algn="l">
-              <a:defRPr>
+              <a:defRPr b="1">
                 <a:solidFill>
                   <a:schemeClr val="accent1">
                     <a:lumMod val="75000"/>
@@ -1422,7 +1422,7 @@
           <a:p>
             <a:fld id="{241EB5C9-1307-BA42-ABA2-0BC069CD8E7F}" type="datetimeFigureOut">
               <a:rPr lang="en-US" smtClean="0"/>
-              <a:t>1/10/23</a:t>
+              <a:t>1/18/23</a:t>
             </a:fld>
             <a:endParaRPr lang="en-US"/>
           </a:p>
@@ -1681,7 +1681,7 @@
           <a:p>
             <a:fld id="{241EB5C9-1307-BA42-ABA2-0BC069CD8E7F}" type="datetimeFigureOut">
               <a:rPr lang="en-US" smtClean="0"/>
-              <a:t>1/10/23</a:t>
+              <a:t>1/18/23</a:t>
             </a:fld>
             <a:endParaRPr lang="en-US"/>
           </a:p>
@@ -1774,7 +1774,7 @@
           <a:bodyPr/>
           <a:lstStyle>
             <a:lvl1pPr algn="l">
-              <a:defRPr>
+              <a:defRPr b="1">
                 <a:solidFill>
                   <a:schemeClr val="accent1">
                     <a:lumMod val="75000"/>
@@ -1976,7 +1976,7 @@
           <a:p>
             <a:fld id="{241EB5C9-1307-BA42-ABA2-0BC069CD8E7F}" type="datetimeFigureOut">
               <a:rPr lang="en-US" smtClean="0"/>
-              <a:t>1/10/23</a:t>
+              <a:t>1/18/23</a:t>
             </a:fld>
             <a:endParaRPr lang="en-US"/>
           </a:p>
@@ -2069,7 +2069,7 @@
           <a:bodyPr/>
           <a:lstStyle>
             <a:lvl1pPr algn="l">
-              <a:defRPr>
+              <a:defRPr b="1">
                 <a:solidFill>
                   <a:schemeClr val="accent1">
                     <a:lumMod val="75000"/>
@@ -2401,7 +2401,7 @@
           <a:p>
             <a:fld id="{241EB5C9-1307-BA42-ABA2-0BC069CD8E7F}" type="datetimeFigureOut">
               <a:rPr lang="en-US" smtClean="0"/>
-              <a:t>1/10/23</a:t>
+              <a:t>1/18/23</a:t>
             </a:fld>
             <a:endParaRPr lang="en-US"/>
           </a:p>
@@ -2494,7 +2494,7 @@
           <a:bodyPr/>
           <a:lstStyle>
             <a:lvl1pPr algn="l">
-              <a:defRPr>
+              <a:defRPr b="1">
                 <a:solidFill>
                   <a:schemeClr val="accent1">
                     <a:lumMod val="75000"/>
@@ -2528,7 +2528,7 @@
           <a:p>
             <a:fld id="{241EB5C9-1307-BA42-ABA2-0BC069CD8E7F}" type="datetimeFigureOut">
               <a:rPr lang="en-US" smtClean="0"/>
-              <a:t>1/10/23</a:t>
+              <a:t>1/18/23</a:t>
             </a:fld>
             <a:endParaRPr lang="en-US"/>
           </a:p>
@@ -2623,7 +2623,7 @@
           <a:p>
             <a:fld id="{241EB5C9-1307-BA42-ABA2-0BC069CD8E7F}" type="datetimeFigureOut">
               <a:rPr lang="en-US" smtClean="0"/>
-              <a:t>1/10/23</a:t>
+              <a:t>1/18/23</a:t>
             </a:fld>
             <a:endParaRPr lang="en-US"/>
           </a:p>
@@ -2904,7 +2904,7 @@
           <a:p>
             <a:fld id="{241EB5C9-1307-BA42-ABA2-0BC069CD8E7F}" type="datetimeFigureOut">
               <a:rPr lang="en-US" smtClean="0"/>
-              <a:t>1/10/23</a:t>
+              <a:t>1/18/23</a:t>
             </a:fld>
             <a:endParaRPr lang="en-US"/>
           </a:p>
@@ -3156,7 +3156,7 @@
           <a:p>
             <a:fld id="{241EB5C9-1307-BA42-ABA2-0BC069CD8E7F}" type="datetimeFigureOut">
               <a:rPr lang="en-US" smtClean="0"/>
-              <a:t>1/10/23</a:t>
+              <a:t>1/18/23</a:t>
             </a:fld>
             <a:endParaRPr lang="en-US"/>
           </a:p>
@@ -3367,7 +3367,7 @@
           <a:p>
             <a:fld id="{241EB5C9-1307-BA42-ABA2-0BC069CD8E7F}" type="datetimeFigureOut">
               <a:rPr lang="en-US" smtClean="0"/>
-              <a:t>1/10/23</a:t>
+              <a:t>1/18/23</a:t>
             </a:fld>
             <a:endParaRPr lang="en-US"/>
           </a:p>
